--- a/logo/logo.pptx
+++ b/logo/logo.pptx
@@ -116,6 +116,35 @@
 </p:presentation>
 </file>
 
+<file path=ppt/changesInfos/changesInfo1.xml><?xml version="1.0" encoding="utf-8"?>
+<pc:chgInfo xmlns:a="http://schemas.openxmlformats.org/drawingml/2006/main" xmlns:r="http://schemas.openxmlformats.org/officeDocument/2006/relationships" xmlns:ac="http://schemas.microsoft.com/office/drawing/2013/main/command" xmlns:pc="http://schemas.microsoft.com/office/powerpoint/2013/main/command">
+  <pc:docChgLst>
+    <pc:chgData name="Timo Klimmer" userId="ca0e168519d3fe9b" providerId="LiveId" clId="{FC63949D-A93D-463D-8C32-C6C07A682DEE}"/>
+    <pc:docChg chg="undo custSel modSld">
+      <pc:chgData name="Timo Klimmer" userId="ca0e168519d3fe9b" providerId="LiveId" clId="{FC63949D-A93D-463D-8C32-C6C07A682DEE}" dt="2022-09-03T13:40:51.051" v="30" actId="14100"/>
+      <pc:docMkLst>
+        <pc:docMk/>
+      </pc:docMkLst>
+      <pc:sldChg chg="modSp mod">
+        <pc:chgData name="Timo Klimmer" userId="ca0e168519d3fe9b" providerId="LiveId" clId="{FC63949D-A93D-463D-8C32-C6C07A682DEE}" dt="2022-09-03T13:40:51.051" v="30" actId="14100"/>
+        <pc:sldMkLst>
+          <pc:docMk/>
+          <pc:sldMk cId="858695996" sldId="260"/>
+        </pc:sldMkLst>
+        <pc:spChg chg="mod">
+          <ac:chgData name="Timo Klimmer" userId="ca0e168519d3fe9b" providerId="LiveId" clId="{FC63949D-A93D-463D-8C32-C6C07A682DEE}" dt="2022-09-03T13:40:51.051" v="30" actId="14100"/>
+          <ac:spMkLst>
+            <pc:docMk/>
+            <pc:sldMk cId="858695996" sldId="260"/>
+            <ac:spMk id="2" creationId="{2099FC2F-870A-45D4-8AA3-F9582715CF7A}"/>
+          </ac:spMkLst>
+        </pc:spChg>
+      </pc:sldChg>
+    </pc:docChg>
+  </pc:docChgLst>
+</pc:chgInfo>
+</file>
+
 <file path=ppt/slideLayouts/slideLayout1.xml><?xml version="1.0" encoding="utf-8"?>
 <p:sldLayout xmlns:a="http://schemas.openxmlformats.org/drawingml/2006/main" xmlns:r="http://schemas.openxmlformats.org/officeDocument/2006/relationships" xmlns:p="http://schemas.openxmlformats.org/presentationml/2006/main" type="title" preserve="1">
   <p:cSld name="Titelfolie">
@@ -263,7 +292,7 @@
           <a:p>
             <a:fld id="{4EFB820A-5BB3-442D-992E-513C85DC092E}" type="datetimeFigureOut">
               <a:rPr lang="de-DE" smtClean="0"/>
-              <a:t>25.02.2021</a:t>
+              <a:t>03.09.2022</a:t>
             </a:fld>
             <a:endParaRPr lang="de-DE"/>
           </a:p>
@@ -461,7 +490,7 @@
           <a:p>
             <a:fld id="{4EFB820A-5BB3-442D-992E-513C85DC092E}" type="datetimeFigureOut">
               <a:rPr lang="de-DE" smtClean="0"/>
-              <a:t>25.02.2021</a:t>
+              <a:t>03.09.2022</a:t>
             </a:fld>
             <a:endParaRPr lang="de-DE"/>
           </a:p>
@@ -669,7 +698,7 @@
           <a:p>
             <a:fld id="{4EFB820A-5BB3-442D-992E-513C85DC092E}" type="datetimeFigureOut">
               <a:rPr lang="de-DE" smtClean="0"/>
-              <a:t>25.02.2021</a:t>
+              <a:t>03.09.2022</a:t>
             </a:fld>
             <a:endParaRPr lang="de-DE"/>
           </a:p>
@@ -867,7 +896,7 @@
           <a:p>
             <a:fld id="{4EFB820A-5BB3-442D-992E-513C85DC092E}" type="datetimeFigureOut">
               <a:rPr lang="de-DE" smtClean="0"/>
-              <a:t>25.02.2021</a:t>
+              <a:t>03.09.2022</a:t>
             </a:fld>
             <a:endParaRPr lang="de-DE"/>
           </a:p>
@@ -1142,7 +1171,7 @@
           <a:p>
             <a:fld id="{4EFB820A-5BB3-442D-992E-513C85DC092E}" type="datetimeFigureOut">
               <a:rPr lang="de-DE" smtClean="0"/>
-              <a:t>25.02.2021</a:t>
+              <a:t>03.09.2022</a:t>
             </a:fld>
             <a:endParaRPr lang="de-DE"/>
           </a:p>
@@ -1407,7 +1436,7 @@
           <a:p>
             <a:fld id="{4EFB820A-5BB3-442D-992E-513C85DC092E}" type="datetimeFigureOut">
               <a:rPr lang="de-DE" smtClean="0"/>
-              <a:t>25.02.2021</a:t>
+              <a:t>03.09.2022</a:t>
             </a:fld>
             <a:endParaRPr lang="de-DE"/>
           </a:p>
@@ -1819,7 +1848,7 @@
           <a:p>
             <a:fld id="{4EFB820A-5BB3-442D-992E-513C85DC092E}" type="datetimeFigureOut">
               <a:rPr lang="de-DE" smtClean="0"/>
-              <a:t>25.02.2021</a:t>
+              <a:t>03.09.2022</a:t>
             </a:fld>
             <a:endParaRPr lang="de-DE"/>
           </a:p>
@@ -1960,7 +1989,7 @@
           <a:p>
             <a:fld id="{4EFB820A-5BB3-442D-992E-513C85DC092E}" type="datetimeFigureOut">
               <a:rPr lang="de-DE" smtClean="0"/>
-              <a:t>25.02.2021</a:t>
+              <a:t>03.09.2022</a:t>
             </a:fld>
             <a:endParaRPr lang="de-DE"/>
           </a:p>
@@ -2073,7 +2102,7 @@
           <a:p>
             <a:fld id="{4EFB820A-5BB3-442D-992E-513C85DC092E}" type="datetimeFigureOut">
               <a:rPr lang="de-DE" smtClean="0"/>
-              <a:t>25.02.2021</a:t>
+              <a:t>03.09.2022</a:t>
             </a:fld>
             <a:endParaRPr lang="de-DE"/>
           </a:p>
@@ -2384,7 +2413,7 @@
           <a:p>
             <a:fld id="{4EFB820A-5BB3-442D-992E-513C85DC092E}" type="datetimeFigureOut">
               <a:rPr lang="de-DE" smtClean="0"/>
-              <a:t>25.02.2021</a:t>
+              <a:t>03.09.2022</a:t>
             </a:fld>
             <a:endParaRPr lang="de-DE"/>
           </a:p>
@@ -2672,7 +2701,7 @@
           <a:p>
             <a:fld id="{4EFB820A-5BB3-442D-992E-513C85DC092E}" type="datetimeFigureOut">
               <a:rPr lang="de-DE" smtClean="0"/>
-              <a:t>25.02.2021</a:t>
+              <a:t>03.09.2022</a:t>
             </a:fld>
             <a:endParaRPr lang="de-DE"/>
           </a:p>
@@ -2913,7 +2942,7 @@
           <a:p>
             <a:fld id="{4EFB820A-5BB3-442D-992E-513C85DC092E}" type="datetimeFigureOut">
               <a:rPr lang="de-DE" smtClean="0"/>
-              <a:t>25.02.2021</a:t>
+              <a:t>03.09.2022</a:t>
             </a:fld>
             <a:endParaRPr lang="de-DE"/>
           </a:p>
@@ -4586,7 +4615,7 @@
         <p:spPr>
           <a:xfrm>
             <a:off x="4393261" y="3429000"/>
-            <a:ext cx="3038671" cy="707886"/>
+            <a:ext cx="6772642" cy="707886"/>
           </a:xfrm>
           <a:prstGeom prst="rect">
             <a:avLst/>
@@ -4600,12 +4629,76 @@
           <a:lstStyle/>
           <a:p>
             <a:r>
-              <a:rPr lang="de-DE" sz="4000">
+              <a:rPr lang="de-DE" sz="4000" dirty="0">
                 <a:solidFill>
                   <a:schemeClr val="bg1"/>
                 </a:solidFill>
               </a:rPr>
-              <a:t>Find out why.</a:t>
+              <a:t>Find </a:t>
+            </a:r>
+            <a:r>
+              <a:rPr lang="de-DE" sz="4000" dirty="0" err="1">
+                <a:solidFill>
+                  <a:schemeClr val="bg1"/>
+                </a:solidFill>
+              </a:rPr>
+              <a:t>the</a:t>
+            </a:r>
+            <a:r>
+              <a:rPr lang="de-DE" sz="4000" dirty="0">
+                <a:solidFill>
+                  <a:schemeClr val="bg1"/>
+                </a:solidFill>
+              </a:rPr>
+              <a:t> </a:t>
+            </a:r>
+            <a:r>
+              <a:rPr lang="de-DE" sz="4000" dirty="0" err="1">
+                <a:solidFill>
+                  <a:schemeClr val="bg1"/>
+                </a:solidFill>
+              </a:rPr>
+              <a:t>needle</a:t>
+            </a:r>
+            <a:r>
+              <a:rPr lang="de-DE" sz="4000" dirty="0">
+                <a:solidFill>
+                  <a:schemeClr val="bg1"/>
+                </a:solidFill>
+              </a:rPr>
+              <a:t> in </a:t>
+            </a:r>
+            <a:r>
+              <a:rPr lang="de-DE" sz="4000" dirty="0" err="1">
+                <a:solidFill>
+                  <a:schemeClr val="bg1"/>
+                </a:solidFill>
+              </a:rPr>
+              <a:t>the</a:t>
+            </a:r>
+            <a:r>
+              <a:rPr lang="de-DE" sz="4000" dirty="0">
+                <a:solidFill>
+                  <a:schemeClr val="bg1"/>
+                </a:solidFill>
+              </a:rPr>
+              <a:t> </a:t>
+            </a:r>
+            <a:r>
+              <a:rPr lang="de-DE" sz="4000" dirty="0" err="1">
+                <a:solidFill>
+                  <a:schemeClr val="bg1"/>
+                </a:solidFill>
+              </a:rPr>
+              <a:t>haystack</a:t>
+            </a:r>
+            <a:r>
+              <a:rPr lang="de-DE" sz="4000" dirty="0">
+                <a:solidFill>
+                  <a:schemeClr val="bg1"/>
+                </a:solidFill>
+              </a:rPr>
+              <a:t>.</a:t>
             </a:r>
           </a:p>
         </p:txBody>
